--- a/인증서류/SF104 전단.pptx
+++ b/인증서류/SF104 전단.pptx
@@ -7,7 +7,6 @@
   <p:sldIdLst>
     <p:sldId id="256" r:id="rId2"/>
     <p:sldId id="257" r:id="rId3"/>
-    <p:sldId id="258" r:id="rId4"/>
   </p:sldIdLst>
   <p:sldSz cx="6858000" cy="9906000" type="A4"/>
   <p:notesSz cx="6797675" cy="9926638"/>
@@ -106,6 +105,11 @@
       </a:defRPr>
     </a:lvl9pPr>
   </p:defaultTextStyle>
+  <p:extLst>
+    <p:ext uri="{EFAFB233-063F-42B5-8137-9DF3F51BA10A}">
+      <p15:sldGuideLst xmlns:p15="http://schemas.microsoft.com/office/powerpoint/2012/main"/>
+    </p:ext>
+  </p:extLst>
 </p:presentation>
 </file>
 
@@ -240,7 +244,7 @@
           <a:p>
             <a:fld id="{50F5B2CE-90C5-4CA0-9BBA-E6AEDFCAB33B}" type="datetimeFigureOut">
               <a:rPr lang="ko-KR" altLang="en-US" smtClean="0"/>
-              <a:t>2024-06-07</a:t>
+              <a:t>2024-06-10</a:t>
             </a:fld>
             <a:endParaRPr lang="ko-KR" altLang="en-US"/>
           </a:p>
@@ -410,7 +414,7 @@
           <a:p>
             <a:fld id="{50F5B2CE-90C5-4CA0-9BBA-E6AEDFCAB33B}" type="datetimeFigureOut">
               <a:rPr lang="ko-KR" altLang="en-US" smtClean="0"/>
-              <a:t>2024-06-07</a:t>
+              <a:t>2024-06-10</a:t>
             </a:fld>
             <a:endParaRPr lang="ko-KR" altLang="en-US"/>
           </a:p>
@@ -590,7 +594,7 @@
           <a:p>
             <a:fld id="{50F5B2CE-90C5-4CA0-9BBA-E6AEDFCAB33B}" type="datetimeFigureOut">
               <a:rPr lang="ko-KR" altLang="en-US" smtClean="0"/>
-              <a:t>2024-06-07</a:t>
+              <a:t>2024-06-10</a:t>
             </a:fld>
             <a:endParaRPr lang="ko-KR" altLang="en-US"/>
           </a:p>
@@ -760,7 +764,7 @@
           <a:p>
             <a:fld id="{50F5B2CE-90C5-4CA0-9BBA-E6AEDFCAB33B}" type="datetimeFigureOut">
               <a:rPr lang="ko-KR" altLang="en-US" smtClean="0"/>
-              <a:t>2024-06-07</a:t>
+              <a:t>2024-06-10</a:t>
             </a:fld>
             <a:endParaRPr lang="ko-KR" altLang="en-US"/>
           </a:p>
@@ -1006,7 +1010,7 @@
           <a:p>
             <a:fld id="{50F5B2CE-90C5-4CA0-9BBA-E6AEDFCAB33B}" type="datetimeFigureOut">
               <a:rPr lang="ko-KR" altLang="en-US" smtClean="0"/>
-              <a:t>2024-06-07</a:t>
+              <a:t>2024-06-10</a:t>
             </a:fld>
             <a:endParaRPr lang="ko-KR" altLang="en-US"/>
           </a:p>
@@ -1238,7 +1242,7 @@
           <a:p>
             <a:fld id="{50F5B2CE-90C5-4CA0-9BBA-E6AEDFCAB33B}" type="datetimeFigureOut">
               <a:rPr lang="ko-KR" altLang="en-US" smtClean="0"/>
-              <a:t>2024-06-07</a:t>
+              <a:t>2024-06-10</a:t>
             </a:fld>
             <a:endParaRPr lang="ko-KR" altLang="en-US"/>
           </a:p>
@@ -1605,7 +1609,7 @@
           <a:p>
             <a:fld id="{50F5B2CE-90C5-4CA0-9BBA-E6AEDFCAB33B}" type="datetimeFigureOut">
               <a:rPr lang="ko-KR" altLang="en-US" smtClean="0"/>
-              <a:t>2024-06-07</a:t>
+              <a:t>2024-06-10</a:t>
             </a:fld>
             <a:endParaRPr lang="ko-KR" altLang="en-US"/>
           </a:p>
@@ -1723,7 +1727,7 @@
           <a:p>
             <a:fld id="{50F5B2CE-90C5-4CA0-9BBA-E6AEDFCAB33B}" type="datetimeFigureOut">
               <a:rPr lang="ko-KR" altLang="en-US" smtClean="0"/>
-              <a:t>2024-06-07</a:t>
+              <a:t>2024-06-10</a:t>
             </a:fld>
             <a:endParaRPr lang="ko-KR" altLang="en-US"/>
           </a:p>
@@ -1818,7 +1822,7 @@
           <a:p>
             <a:fld id="{50F5B2CE-90C5-4CA0-9BBA-E6AEDFCAB33B}" type="datetimeFigureOut">
               <a:rPr lang="ko-KR" altLang="en-US" smtClean="0"/>
-              <a:t>2024-06-07</a:t>
+              <a:t>2024-06-10</a:t>
             </a:fld>
             <a:endParaRPr lang="ko-KR" altLang="en-US"/>
           </a:p>
@@ -2095,7 +2099,7 @@
           <a:p>
             <a:fld id="{50F5B2CE-90C5-4CA0-9BBA-E6AEDFCAB33B}" type="datetimeFigureOut">
               <a:rPr lang="ko-KR" altLang="en-US" smtClean="0"/>
-              <a:t>2024-06-07</a:t>
+              <a:t>2024-06-10</a:t>
             </a:fld>
             <a:endParaRPr lang="ko-KR" altLang="en-US"/>
           </a:p>
@@ -2352,7 +2356,7 @@
           <a:p>
             <a:fld id="{50F5B2CE-90C5-4CA0-9BBA-E6AEDFCAB33B}" type="datetimeFigureOut">
               <a:rPr lang="ko-KR" altLang="en-US" smtClean="0"/>
-              <a:t>2024-06-07</a:t>
+              <a:t>2024-06-10</a:t>
             </a:fld>
             <a:endParaRPr lang="ko-KR" altLang="en-US"/>
           </a:p>
@@ -2565,7 +2569,7 @@
           <a:p>
             <a:fld id="{50F5B2CE-90C5-4CA0-9BBA-E6AEDFCAB33B}" type="datetimeFigureOut">
               <a:rPr lang="ko-KR" altLang="en-US" smtClean="0"/>
-              <a:t>2024-06-07</a:t>
+              <a:t>2024-06-10</a:t>
             </a:fld>
             <a:endParaRPr lang="ko-KR" altLang="en-US"/>
           </a:p>
@@ -5314,13 +5318,18 @@
         </p:blipFill>
         <p:spPr bwMode="auto">
           <a:xfrm>
-            <a:off x="1704703" y="7509687"/>
-            <a:ext cx="3437709" cy="2074711"/>
+            <a:off x="2469329" y="7394710"/>
+            <a:ext cx="3819192" cy="2304942"/>
           </a:xfrm>
           <a:prstGeom prst="rect">
             <a:avLst/>
           </a:prstGeom>
-          <a:noFill/>
+          <a:ln>
+            <a:noFill/>
+          </a:ln>
+          <a:effectLst>
+            <a:softEdge rad="112500"/>
+          </a:effectLst>
           <a:extLst>
             <a:ext uri="{909E8E84-426E-40DD-AFC4-6F175D3DCCD1}">
               <a14:hiddenFill xmlns:a14="http://schemas.microsoft.com/office/drawing/2010/main">
@@ -5332,92 +5341,12 @@
           </a:extLst>
         </p:spPr>
       </p:pic>
-    </p:spTree>
-    <p:extLst>
-      <p:ext uri="{BB962C8B-B14F-4D97-AF65-F5344CB8AC3E}">
-        <p14:creationId xmlns:p14="http://schemas.microsoft.com/office/powerpoint/2010/main" val="2997834737"/>
-      </p:ext>
-    </p:extLst>
-  </p:cSld>
-  <p:clrMapOvr>
-    <a:masterClrMapping/>
-  </p:clrMapOvr>
-</p:sld>
-</file>
-
-<file path=ppt/slides/slide3.xml><?xml version="1.0" encoding="utf-8"?>
-<p:sld xmlns:a="http://schemas.openxmlformats.org/drawingml/2006/main" xmlns:r="http://schemas.openxmlformats.org/officeDocument/2006/relationships" xmlns:p="http://schemas.openxmlformats.org/presentationml/2006/main">
-  <p:cSld>
-    <p:spTree>
-      <p:nvGrpSpPr>
-        <p:cNvPr id="1" name=""/>
-        <p:cNvGrpSpPr/>
-        <p:nvPr/>
-      </p:nvGrpSpPr>
-      <p:grpSpPr>
-        <a:xfrm>
-          <a:off x="0" y="0"/>
-          <a:ext cx="0" cy="0"/>
-          <a:chOff x="0" y="0"/>
-          <a:chExt cx="0" cy="0"/>
-        </a:xfrm>
-      </p:grpSpPr>
-      <p:sp>
-        <p:nvSpPr>
-          <p:cNvPr id="2" name="제목 1">
+      <p:pic>
+        <p:nvPicPr>
+          <p:cNvPr id="2" name="그림 1">
             <a:extLst>
               <a:ext uri="{FF2B5EF4-FFF2-40B4-BE49-F238E27FC236}">
-                <a16:creationId xmlns:a16="http://schemas.microsoft.com/office/drawing/2014/main" id="{60CAF3EF-F985-A4E9-AB2F-634227027CB7}"/>
-              </a:ext>
-            </a:extLst>
-          </p:cNvPr>
-          <p:cNvSpPr>
-            <a:spLocks noGrp="1"/>
-          </p:cNvSpPr>
-          <p:nvPr>
-            <p:ph type="title"/>
-          </p:nvPr>
-        </p:nvSpPr>
-        <p:spPr/>
-        <p:txBody>
-          <a:bodyPr/>
-          <a:lstStyle/>
-          <a:p>
-            <a:endParaRPr lang="ko-KR" altLang="en-US"/>
-          </a:p>
-        </p:txBody>
-      </p:sp>
-      <p:sp>
-        <p:nvSpPr>
-          <p:cNvPr id="3" name="내용 개체 틀 2">
-            <a:extLst>
-              <a:ext uri="{FF2B5EF4-FFF2-40B4-BE49-F238E27FC236}">
-                <a16:creationId xmlns:a16="http://schemas.microsoft.com/office/drawing/2014/main" id="{679CF087-6F42-8442-763A-91BE137ED489}"/>
-              </a:ext>
-            </a:extLst>
-          </p:cNvPr>
-          <p:cNvSpPr>
-            <a:spLocks noGrp="1"/>
-          </p:cNvSpPr>
-          <p:nvPr>
-            <p:ph idx="1"/>
-          </p:nvPr>
-        </p:nvSpPr>
-        <p:spPr/>
-        <p:txBody>
-          <a:bodyPr/>
-          <a:lstStyle/>
-          <a:p>
-            <a:endParaRPr lang="ko-KR" altLang="en-US"/>
-          </a:p>
-        </p:txBody>
-      </p:sp>
-      <p:pic>
-        <p:nvPicPr>
-          <p:cNvPr id="5" name="그림 4">
-            <a:extLst>
-              <a:ext uri="{FF2B5EF4-FFF2-40B4-BE49-F238E27FC236}">
-                <a16:creationId xmlns:a16="http://schemas.microsoft.com/office/drawing/2014/main" id="{3F609C0A-B3AF-BE88-7E54-6461EDA87955}"/>
+                <a16:creationId xmlns:a16="http://schemas.microsoft.com/office/drawing/2014/main" id="{7EFE8D9A-BC68-2EEA-59A9-A91809DEBFCC}"/>
               </a:ext>
             </a:extLst>
           </p:cNvPr>
@@ -5427,24 +5356,30 @@
           <p:nvPr/>
         </p:nvPicPr>
         <p:blipFill rotWithShape="1">
-          <a:blip r:embed="rId2"/>
-          <a:srcRect t="7517" b="10857"/>
+          <a:blip r:embed="rId4"/>
+          <a:srcRect t="28294" b="14343"/>
           <a:stretch/>
         </p:blipFill>
         <p:spPr>
           <a:xfrm>
-            <a:off x="1143000" y="744582"/>
-            <a:ext cx="4572000" cy="8085909"/>
+            <a:off x="575595" y="7394706"/>
+            <a:ext cx="1854545" cy="2304941"/>
           </a:xfrm>
           <a:prstGeom prst="rect">
             <a:avLst/>
           </a:prstGeom>
+          <a:ln>
+            <a:noFill/>
+          </a:ln>
+          <a:effectLst>
+            <a:softEdge rad="112500"/>
+          </a:effectLst>
         </p:spPr>
       </p:pic>
     </p:spTree>
     <p:extLst>
       <p:ext uri="{BB962C8B-B14F-4D97-AF65-F5344CB8AC3E}">
-        <p14:creationId xmlns:p14="http://schemas.microsoft.com/office/powerpoint/2010/main" val="3839942807"/>
+        <p14:creationId xmlns:p14="http://schemas.microsoft.com/office/powerpoint/2010/main" val="2997834737"/>
       </p:ext>
     </p:extLst>
   </p:cSld>
